--- a/Group meeting presentation.pptx
+++ b/Group meeting presentation.pptx
@@ -24,6 +24,7 @@
     <p:sldId id="278" r:id="rId18"/>
     <p:sldId id="273" r:id="rId19"/>
     <p:sldId id="274" r:id="rId20"/>
+    <p:sldId id="283" r:id="rId21"/>
   </p:sldIdLst>
   <p:sldSz cx="12192000" cy="6858000"/>
   <p:notesSz cx="6858000" cy="9144000"/>
@@ -122,6 +123,11 @@
       </a:defRPr>
     </a:lvl9pPr>
   </p:defaultTextStyle>
+  <p:extLst>
+    <p:ext uri="{EFAFB233-063F-42B5-8137-9DF3F51BA10A}">
+      <p15:sldGuideLst xmlns:p15="http://schemas.microsoft.com/office/powerpoint/2012/main"/>
+    </p:ext>
+  </p:extLst>
 </p:presentation>
 </file>
 
@@ -1937,7 +1943,7 @@
           <a:p>
             <a:fld id="{BDB1642C-2D51-40DA-9548-89B8F284CABC}" type="datetimeFigureOut">
               <a:rPr lang="en-GB" smtClean="0"/>
-              <a:t>10/12/2018</a:t>
+              <a:t>12/12/2018</a:t>
             </a:fld>
             <a:endParaRPr lang="en-GB"/>
           </a:p>
@@ -2123,7 +2129,7 @@
           <a:p>
             <a:fld id="{BDB1642C-2D51-40DA-9548-89B8F284CABC}" type="datetimeFigureOut">
               <a:rPr lang="en-GB" smtClean="0"/>
-              <a:t>10/12/2018</a:t>
+              <a:t>12/12/2018</a:t>
             </a:fld>
             <a:endParaRPr lang="en-GB"/>
           </a:p>
@@ -2279,7 +2285,7 @@
           <a:p>
             <a:fld id="{BDB1642C-2D51-40DA-9548-89B8F284CABC}" type="datetimeFigureOut">
               <a:rPr lang="en-GB" smtClean="0"/>
-              <a:t>10/12/2018</a:t>
+              <a:t>12/12/2018</a:t>
             </a:fld>
             <a:endParaRPr lang="en-GB"/>
           </a:p>
@@ -4110,7 +4116,7 @@
           <a:p>
             <a:fld id="{BDB1642C-2D51-40DA-9548-89B8F284CABC}" type="datetimeFigureOut">
               <a:rPr lang="en-GB" smtClean="0"/>
-              <a:t>10/12/2018</a:t>
+              <a:t>12/12/2018</a:t>
             </a:fld>
             <a:endParaRPr lang="en-GB"/>
           </a:p>
@@ -5985,7 +5991,7 @@
           <a:p>
             <a:fld id="{BDB1642C-2D51-40DA-9548-89B8F284CABC}" type="datetimeFigureOut">
               <a:rPr lang="en-GB" smtClean="0"/>
-              <a:t>10/12/2018</a:t>
+              <a:t>12/12/2018</a:t>
             </a:fld>
             <a:endParaRPr lang="en-GB"/>
           </a:p>
@@ -6103,7 +6109,7 @@
           <a:p>
             <a:fld id="{BDB1642C-2D51-40DA-9548-89B8F284CABC}" type="datetimeFigureOut">
               <a:rPr lang="en-GB" smtClean="0"/>
-              <a:t>10/12/2018</a:t>
+              <a:t>12/12/2018</a:t>
             </a:fld>
             <a:endParaRPr lang="en-GB"/>
           </a:p>
@@ -6649,7 +6655,7 @@
           <a:p>
             <a:fld id="{BDB1642C-2D51-40DA-9548-89B8F284CABC}" type="datetimeFigureOut">
               <a:rPr lang="en-GB" smtClean="0"/>
-              <a:t>10/12/2018</a:t>
+              <a:t>12/12/2018</a:t>
             </a:fld>
             <a:endParaRPr lang="en-GB"/>
           </a:p>
@@ -6767,7 +6773,7 @@
           <a:p>
             <a:fld id="{BDB1642C-2D51-40DA-9548-89B8F284CABC}" type="datetimeFigureOut">
               <a:rPr lang="en-GB" smtClean="0"/>
-              <a:t>10/12/2018</a:t>
+              <a:t>12/12/2018</a:t>
             </a:fld>
             <a:endParaRPr lang="en-GB"/>
           </a:p>
@@ -8483,7 +8489,7 @@
           <a:p>
             <a:fld id="{BDB1642C-2D51-40DA-9548-89B8F284CABC}" type="datetimeFigureOut">
               <a:rPr lang="en-GB" smtClean="0"/>
-              <a:t>10/12/2018</a:t>
+              <a:t>12/12/2018</a:t>
             </a:fld>
             <a:endParaRPr lang="en-GB"/>
           </a:p>
@@ -8639,7 +8645,7 @@
           <a:p>
             <a:fld id="{BDB1642C-2D51-40DA-9548-89B8F284CABC}" type="datetimeFigureOut">
               <a:rPr lang="en-GB" smtClean="0"/>
-              <a:t>10/12/2018</a:t>
+              <a:t>12/12/2018</a:t>
             </a:fld>
             <a:endParaRPr lang="en-GB"/>
           </a:p>
@@ -12259,7 +12265,7 @@
           <a:p>
             <a:fld id="{BDB1642C-2D51-40DA-9548-89B8F284CABC}" type="datetimeFigureOut">
               <a:rPr lang="en-GB" smtClean="0"/>
-              <a:t>10/12/2018</a:t>
+              <a:t>12/12/2018</a:t>
             </a:fld>
             <a:endParaRPr lang="en-GB"/>
           </a:p>
@@ -14123,7 +14129,7 @@
           <a:p>
             <a:fld id="{BDB1642C-2D51-40DA-9548-89B8F284CABC}" type="datetimeFigureOut">
               <a:rPr lang="en-GB" smtClean="0"/>
-              <a:t>10/12/2018</a:t>
+              <a:t>12/12/2018</a:t>
             </a:fld>
             <a:endParaRPr lang="en-GB"/>
           </a:p>
@@ -14746,110 +14752,195 @@
           <a:chExt cx="0" cy="0"/>
         </a:xfrm>
       </p:grpSpPr>
-      <p:sp>
-        <p:nvSpPr>
-          <p:cNvPr id="3" name="Content Placeholder 2"/>
-          <p:cNvSpPr>
-            <a:spLocks noGrp="1"/>
-          </p:cNvSpPr>
-          <p:nvPr>
-            <p:ph idx="1"/>
-          </p:nvPr>
-        </p:nvSpPr>
-        <p:spPr>
-          <a:xfrm>
-            <a:off x="737937" y="1395662"/>
-            <a:ext cx="11020925" cy="4940969"/>
-          </a:xfrm>
-        </p:spPr>
-        <p:txBody>
-          <a:bodyPr>
-            <a:normAutofit fontScale="92500" lnSpcReduction="10000"/>
-          </a:bodyPr>
-          <a:lstStyle/>
-          <a:p>
-            <a:pPr marL="0" indent="0">
-              <a:buNone/>
-            </a:pPr>
-            <a:r>
-              <a:rPr lang="en-GB" dirty="0" smtClean="0"/>
-              <a:t>Advantages</a:t>
-            </a:r>
-          </a:p>
-          <a:p>
-            <a:r>
-              <a:rPr lang="en-US" dirty="0" smtClean="0"/>
-              <a:t>The increase in the rate of cell killing with temperature is relatively constant (for T&gt;43, T&lt;43)</a:t>
-            </a:r>
-          </a:p>
-          <a:p>
-            <a:pPr lvl="1"/>
-            <a:r>
-              <a:rPr lang="en-CA" dirty="0" smtClean="0"/>
-              <a:t>For every degree above 43°C the required time to coagulate the tissue halves (120 minutes at 44°C, 60 minutesat45°C)</a:t>
-            </a:r>
-            <a:endParaRPr lang="en-US" dirty="0" smtClean="0"/>
-          </a:p>
-          <a:p>
-            <a:r>
-              <a:rPr lang="en-US" dirty="0" smtClean="0"/>
-              <a:t>Model valid for high temperatures seen in HIFU</a:t>
-            </a:r>
-          </a:p>
-          <a:p>
-            <a:r>
-              <a:rPr lang="en-GB" dirty="0" smtClean="0"/>
-              <a:t>Well established model</a:t>
-            </a:r>
-          </a:p>
-          <a:p>
-            <a:pPr marL="0" indent="0">
-              <a:buNone/>
-            </a:pPr>
-            <a:r>
-              <a:rPr lang="en-GB" dirty="0" smtClean="0"/>
-              <a:t>Disadvantages</a:t>
-            </a:r>
-          </a:p>
-          <a:p>
-            <a:r>
-              <a:rPr lang="en-US" dirty="0" smtClean="0"/>
-              <a:t>Different tissues have varying thermal sensitivity and will ablate at different thermal doses:</a:t>
-            </a:r>
-          </a:p>
-          <a:p>
-            <a:pPr lvl="1"/>
-            <a:r>
-              <a:rPr lang="en-US" dirty="0" smtClean="0"/>
-              <a:t>“soft tissue” will become necrotic at 240 EM</a:t>
-            </a:r>
-          </a:p>
-          <a:p>
-            <a:pPr lvl="1"/>
-            <a:r>
-              <a:rPr lang="en-US" dirty="0" smtClean="0"/>
-              <a:t>Nerve tissue may damage at much lower doses</a:t>
-            </a:r>
-          </a:p>
-          <a:p>
-            <a:pPr lvl="1"/>
-            <a:r>
-              <a:rPr lang="en-US" dirty="0" smtClean="0"/>
-              <a:t>Bone may require much higher dose for ablation</a:t>
-            </a:r>
-            <a:endParaRPr lang="en-GB" dirty="0" smtClean="0"/>
-          </a:p>
-          <a:p>
-            <a:r>
-              <a:rPr lang="en-US" dirty="0"/>
-              <a:t>Measuring dose does not directly predict damage</a:t>
-            </a:r>
-          </a:p>
-          <a:p>
-            <a:endParaRPr lang="en-US" dirty="0" smtClean="0"/>
-          </a:p>
-        </p:txBody>
-      </p:sp>
+      <mc:AlternateContent xmlns:mc="http://schemas.openxmlformats.org/markup-compatibility/2006">
+        <mc:Choice xmlns:a14="http://schemas.microsoft.com/office/drawing/2010/main" Requires="a14">
+          <p:sp>
+            <p:nvSpPr>
+              <p:cNvPr id="3" name="Content Placeholder 2"/>
+              <p:cNvSpPr>
+                <a:spLocks noGrp="1"/>
+              </p:cNvSpPr>
+              <p:nvPr>
+                <p:ph idx="1"/>
+              </p:nvPr>
+            </p:nvSpPr>
+            <p:spPr>
+              <a:xfrm>
+                <a:off x="737937" y="1395662"/>
+                <a:ext cx="11020925" cy="4940969"/>
+              </a:xfrm>
+            </p:spPr>
+            <p:txBody>
+              <a:bodyPr>
+                <a:normAutofit fontScale="92500" lnSpcReduction="10000"/>
+              </a:bodyPr>
+              <a:lstStyle/>
+              <a:p>
+                <a:pPr marL="0" indent="0">
+                  <a:buNone/>
+                </a:pPr>
+                <a:r>
+                  <a:rPr lang="en-GB" dirty="0" smtClean="0"/>
+                  <a:t>Advantages</a:t>
+                </a:r>
+              </a:p>
+              <a:p>
+                <a:r>
+                  <a:rPr lang="en-US" dirty="0" smtClean="0"/>
+                  <a:t>The increase in the rate of cell killing with temperature is relatively constant (for </a:t>
+                </a:r>
+                <a14:m>
+                  <m:oMath xmlns:m="http://schemas.openxmlformats.org/officeDocument/2006/math">
+                    <m:r>
+                      <a:rPr lang="en-US" i="1" dirty="0" smtClean="0">
+                        <a:latin typeface="Cambria Math" panose="02040503050406030204" pitchFamily="18" charset="0"/>
+                      </a:rPr>
+                      <m:t>𝑇</m:t>
+                    </m:r>
+                    <m:r>
+                      <a:rPr lang="en-US" i="1" dirty="0" smtClean="0">
+                        <a:latin typeface="Cambria Math" panose="02040503050406030204" pitchFamily="18" charset="0"/>
+                      </a:rPr>
+                      <m:t>&gt;43</m:t>
+                    </m:r>
+                  </m:oMath>
+                </a14:m>
+                <a:r>
+                  <a:rPr lang="en-US" dirty="0" smtClean="0"/>
+                  <a:t>, </a:t>
+                </a:r>
+                <a14:m>
+                  <m:oMath xmlns:m="http://schemas.openxmlformats.org/officeDocument/2006/math">
+                    <m:r>
+                      <a:rPr lang="en-US" i="1" dirty="0" smtClean="0">
+                        <a:latin typeface="Cambria Math" panose="02040503050406030204" pitchFamily="18" charset="0"/>
+                      </a:rPr>
+                      <m:t>𝑇</m:t>
+                    </m:r>
+                    <m:r>
+                      <a:rPr lang="en-US" i="1" dirty="0" smtClean="0">
+                        <a:latin typeface="Cambria Math" panose="02040503050406030204" pitchFamily="18" charset="0"/>
+                      </a:rPr>
+                      <m:t>&lt;43</m:t>
+                    </m:r>
+                  </m:oMath>
+                </a14:m>
+                <a:r>
+                  <a:rPr lang="en-US" dirty="0" smtClean="0"/>
+                  <a:t>)</a:t>
+                </a:r>
+              </a:p>
+              <a:p>
+                <a:pPr lvl="1"/>
+                <a:r>
+                  <a:rPr lang="en-CA" dirty="0" smtClean="0"/>
+                  <a:t>For every degree above 43°C the required time to coagulate the tissue halves (120 minutes at 44°C, 60 minutes at 45°C)</a:t>
+                </a:r>
+                <a:endParaRPr lang="en-US" dirty="0" smtClean="0"/>
+              </a:p>
+              <a:p>
+                <a:r>
+                  <a:rPr lang="en-US" dirty="0" smtClean="0"/>
+                  <a:t>Model </a:t>
+                </a:r>
+                <a:r>
+                  <a:rPr lang="en-US" dirty="0" smtClean="0"/>
+                  <a:t>valid for high temperatures seen in HIFU</a:t>
+                </a:r>
+              </a:p>
+              <a:p>
+                <a:r>
+                  <a:rPr lang="en-GB" dirty="0" smtClean="0"/>
+                  <a:t>Well established model</a:t>
+                </a:r>
+              </a:p>
+              <a:p>
+                <a:pPr marL="0" indent="0">
+                  <a:buNone/>
+                </a:pPr>
+                <a:r>
+                  <a:rPr lang="en-GB" dirty="0" smtClean="0"/>
+                  <a:t>Disadvantages</a:t>
+                </a:r>
+              </a:p>
+              <a:p>
+                <a:r>
+                  <a:rPr lang="en-US" dirty="0" smtClean="0"/>
+                  <a:t>Different tissues have varying thermal sensitivity and will ablate at different thermal doses:</a:t>
+                </a:r>
+              </a:p>
+              <a:p>
+                <a:pPr lvl="1"/>
+                <a:r>
+                  <a:rPr lang="en-US" dirty="0" smtClean="0"/>
+                  <a:t>“soft tissue” will become necrotic at 240 EM</a:t>
+                </a:r>
+              </a:p>
+              <a:p>
+                <a:pPr lvl="1"/>
+                <a:r>
+                  <a:rPr lang="en-US" dirty="0" smtClean="0"/>
+                  <a:t>Nerve tissue may damage at much lower doses</a:t>
+                </a:r>
+              </a:p>
+              <a:p>
+                <a:pPr lvl="1"/>
+                <a:r>
+                  <a:rPr lang="en-US" dirty="0" smtClean="0"/>
+                  <a:t>Bone may require much higher dose for ablation</a:t>
+                </a:r>
+                <a:endParaRPr lang="en-GB" dirty="0" smtClean="0"/>
+              </a:p>
+              <a:p>
+                <a:r>
+                  <a:rPr lang="en-US" dirty="0"/>
+                  <a:t>Measuring dose does not directly predict damage</a:t>
+                </a:r>
+              </a:p>
+              <a:p>
+                <a:endParaRPr lang="en-US" dirty="0" smtClean="0"/>
+              </a:p>
+            </p:txBody>
+          </p:sp>
+        </mc:Choice>
+        <mc:Fallback>
+          <p:sp>
+            <p:nvSpPr>
+              <p:cNvPr id="3" name="Content Placeholder 2"/>
+              <p:cNvSpPr>
+                <a:spLocks noGrp="1" noRot="1" noChangeAspect="1" noMove="1" noResize="1" noEditPoints="1" noAdjustHandles="1" noChangeArrowheads="1" noChangeShapeType="1" noTextEdit="1"/>
+              </p:cNvSpPr>
+              <p:nvPr>
+                <p:ph idx="1"/>
+              </p:nvPr>
+            </p:nvSpPr>
+            <p:spPr>
+              <a:xfrm>
+                <a:off x="737937" y="1395662"/>
+                <a:ext cx="11020925" cy="4940969"/>
+              </a:xfrm>
+              <a:blipFill>
+                <a:blip r:embed="rId2"/>
+                <a:stretch>
+                  <a:fillRect l="-719" t="-1481" r="-1217" b="-247"/>
+                </a:stretch>
+              </a:blipFill>
+            </p:spPr>
+            <p:txBody>
+              <a:bodyPr/>
+              <a:lstStyle/>
+              <a:p>
+                <a:r>
+                  <a:rPr lang="en-GB">
+                    <a:noFill/>
+                  </a:rPr>
+                  <a:t> </a:t>
+                </a:r>
+              </a:p>
+            </p:txBody>
+          </p:sp>
+        </mc:Fallback>
+      </mc:AlternateContent>
       <p:sp>
         <p:nvSpPr>
           <p:cNvPr id="2" name="Title 1"/>
@@ -14873,6 +14964,30 @@
           </a:p>
         </p:txBody>
       </p:sp>
+      <p:pic>
+        <p:nvPicPr>
+          <p:cNvPr id="5" name="Picture 4"/>
+          <p:cNvPicPr>
+            <a:picLocks noChangeAspect="1"/>
+          </p:cNvPicPr>
+          <p:nvPr/>
+        </p:nvPicPr>
+        <p:blipFill>
+          <a:blip r:embed="rId3"/>
+          <a:stretch>
+            <a:fillRect/>
+          </a:stretch>
+        </p:blipFill>
+        <p:spPr>
+          <a:xfrm>
+            <a:off x="7609636" y="5018834"/>
+            <a:ext cx="4801430" cy="1032342"/>
+          </a:xfrm>
+          <a:prstGeom prst="rect">
+            <a:avLst/>
+          </a:prstGeom>
+        </p:spPr>
+      </p:pic>
     </p:spTree>
     <p:extLst>
       <p:ext uri="{BB962C8B-B14F-4D97-AF65-F5344CB8AC3E}">
@@ -14910,8 +15025,8 @@
           <a:chExt cx="0" cy="0"/>
         </a:xfrm>
       </p:grpSpPr>
-      <mc:AlternateContent xmlns:mc="http://schemas.openxmlformats.org/markup-compatibility/2006">
-        <mc:Choice xmlns:a14="http://schemas.microsoft.com/office/drawing/2010/main" Requires="a14">
+      <mc:AlternateContent xmlns:mc="http://schemas.openxmlformats.org/markup-compatibility/2006" xmlns:a14="http://schemas.microsoft.com/office/drawing/2010/main">
+        <mc:Choice Requires="a14">
           <p:sp>
             <p:nvSpPr>
               <p:cNvPr id="3" name="Content Placeholder 2"/>
@@ -15032,7 +15147,7 @@
             </p:txBody>
           </p:sp>
         </mc:Choice>
-        <mc:Fallback>
+        <mc:Fallback xmlns="">
           <p:sp>
             <p:nvSpPr>
               <p:cNvPr id="3" name="Content Placeholder 2"/>
@@ -15143,8 +15258,8 @@
           </a:prstGeom>
         </p:spPr>
       </p:pic>
-      <mc:AlternateContent xmlns:mc="http://schemas.openxmlformats.org/markup-compatibility/2006">
-        <mc:Choice xmlns:a14="http://schemas.microsoft.com/office/drawing/2010/main" Requires="a14">
+      <mc:AlternateContent xmlns:mc="http://schemas.openxmlformats.org/markup-compatibility/2006" xmlns:a14="http://schemas.microsoft.com/office/drawing/2010/main">
+        <mc:Choice Requires="a14">
           <p:sp>
             <p:nvSpPr>
               <p:cNvPr id="6" name="Content Placeholder 2"/>
@@ -15432,7 +15547,7 @@
             </p:txBody>
           </p:sp>
         </mc:Choice>
-        <mc:Fallback>
+        <mc:Fallback xmlns="">
           <p:sp>
             <p:nvSpPr>
               <p:cNvPr id="6" name="Content Placeholder 2"/>
@@ -15568,6 +15683,13 @@
   <p:clrMapOvr>
     <a:masterClrMapping/>
   </p:clrMapOvr>
+  <p:timing>
+    <p:tnLst>
+      <p:par>
+        <p:cTn id="1" dur="indefinite" restart="never" nodeType="tmRoot"/>
+      </p:par>
+    </p:tnLst>
+  </p:timing>
 </p:sld>
 </file>
 
@@ -15661,7 +15783,15 @@
           <a:p>
             <a:r>
               <a:rPr lang="en-CA" dirty="0" smtClean="0"/>
-              <a:t>Use this model to model thermal dose and thermal damage of the tissues and surrounding structures. </a:t>
+              <a:t>Use this </a:t>
+            </a:r>
+            <a:r>
+              <a:rPr lang="en-CA" dirty="0" smtClean="0"/>
+              <a:t> to model thermal </a:t>
+            </a:r>
+            <a:r>
+              <a:rPr lang="en-CA" dirty="0" smtClean="0"/>
+              <a:t>dose and thermal damage of the tissues and surrounding structures. </a:t>
             </a:r>
           </a:p>
           <a:p>
@@ -15755,8 +15885,8 @@
           </a:p>
         </p:txBody>
       </p:sp>
-      <mc:AlternateContent xmlns:mc="http://schemas.openxmlformats.org/markup-compatibility/2006">
-        <mc:Choice xmlns:a14="http://schemas.microsoft.com/office/drawing/2010/main" Requires="a14">
+      <mc:AlternateContent xmlns:mc="http://schemas.openxmlformats.org/markup-compatibility/2006" xmlns:a14="http://schemas.microsoft.com/office/drawing/2010/main">
+        <mc:Choice Requires="a14">
           <p:sp>
             <p:nvSpPr>
               <p:cNvPr id="6" name="Content Placeholder 2"/>
@@ -16873,7 +17003,7 @@
             </p:txBody>
           </p:sp>
         </mc:Choice>
-        <mc:Fallback>
+        <mc:Fallback xmlns="">
           <p:sp>
             <p:nvSpPr>
               <p:cNvPr id="6" name="Content Placeholder 2"/>
@@ -16964,7 +17094,11 @@
           <a:bodyPr/>
           <a:lstStyle/>
           <a:p>
-            <a:endParaRPr lang="en-GB"/>
+            <a:r>
+              <a:rPr lang="en-GB" dirty="0" smtClean="0"/>
+              <a:t>1D Model</a:t>
+            </a:r>
+            <a:endParaRPr lang="en-GB" dirty="0"/>
           </a:p>
         </p:txBody>
       </p:sp>
@@ -16997,82 +17131,319 @@
           </a:xfrm>
         </p:spPr>
       </p:pic>
-      <p:sp>
-        <p:nvSpPr>
-          <p:cNvPr id="5" name="Rectangle 4"/>
-          <p:cNvSpPr/>
-          <p:nvPr/>
-        </p:nvSpPr>
-        <p:spPr>
-          <a:xfrm>
-            <a:off x="609600" y="2533372"/>
-            <a:ext cx="6144889" cy="3970318"/>
-          </a:xfrm>
-          <a:prstGeom prst="rect">
-            <a:avLst/>
-          </a:prstGeom>
-        </p:spPr>
-        <p:txBody>
-          <a:bodyPr wrap="square">
-            <a:spAutoFit/>
-          </a:bodyPr>
-          <a:lstStyle/>
-          <a:p>
-            <a:pPr marL="285750" indent="-285750">
-              <a:buFont typeface="Arial" panose="020B0604020202020204" pitchFamily="34" charset="0"/>
-              <a:buChar char="•"/>
-            </a:pPr>
-            <a:r>
-              <a:rPr lang="en-GB" sz="2800" dirty="0"/>
-              <a:t>Solve this numerically with a Crank-Nicolson method</a:t>
-            </a:r>
-          </a:p>
-          <a:p>
-            <a:pPr marL="285750" indent="-285750">
-              <a:buFont typeface="Arial" panose="020B0604020202020204" pitchFamily="34" charset="0"/>
-              <a:buChar char="•"/>
-            </a:pPr>
-            <a:r>
-              <a:rPr lang="en-GB" sz="2800" dirty="0" smtClean="0"/>
-              <a:t>Test </a:t>
-            </a:r>
-            <a:r>
-              <a:rPr lang="en-GB" sz="2800" dirty="0"/>
-              <a:t>by using Q = sin(r )=r which gives an analytic solution.</a:t>
-            </a:r>
-          </a:p>
-          <a:p>
-            <a:pPr marL="285750" indent="-285750">
-              <a:buFont typeface="Arial" panose="020B0604020202020204" pitchFamily="34" charset="0"/>
-              <a:buChar char="•"/>
-            </a:pPr>
-            <a:r>
-              <a:rPr lang="en-GB" sz="2800" dirty="0"/>
-              <a:t>Method converges rapidly using sparse matrix methods</a:t>
-            </a:r>
-          </a:p>
-          <a:p>
-            <a:pPr marL="285750" indent="-285750">
-              <a:buFont typeface="Arial" panose="020B0604020202020204" pitchFamily="34" charset="0"/>
-              <a:buChar char="•"/>
-            </a:pPr>
-            <a:r>
-              <a:rPr lang="en-GB" sz="2800" dirty="0"/>
-              <a:t>Run with Q as before with Q0 = 5 for 0 &lt; t &lt; 30s.</a:t>
-            </a:r>
-          </a:p>
-          <a:p>
-            <a:pPr marL="285750" indent="-285750">
-              <a:buFont typeface="Arial" panose="020B0604020202020204" pitchFamily="34" charset="0"/>
-              <a:buChar char="•"/>
-            </a:pPr>
-            <a:r>
-              <a:rPr lang="en-GB" sz="2800" dirty="0"/>
-              <a:t>Then take Q0 = 0 for t &gt; 30.</a:t>
-            </a:r>
-          </a:p>
-        </p:txBody>
-      </p:sp>
+      <mc:AlternateContent xmlns:mc="http://schemas.openxmlformats.org/markup-compatibility/2006">
+        <mc:Choice xmlns:a14="http://schemas.microsoft.com/office/drawing/2010/main" Requires="a14">
+          <p:sp>
+            <p:nvSpPr>
+              <p:cNvPr id="5" name="Rectangle 4"/>
+              <p:cNvSpPr/>
+              <p:nvPr/>
+            </p:nvSpPr>
+            <p:spPr>
+              <a:xfrm>
+                <a:off x="609600" y="2533372"/>
+                <a:ext cx="6144889" cy="3970318"/>
+              </a:xfrm>
+              <a:prstGeom prst="rect">
+                <a:avLst/>
+              </a:prstGeom>
+            </p:spPr>
+            <p:txBody>
+              <a:bodyPr wrap="square">
+                <a:spAutoFit/>
+              </a:bodyPr>
+              <a:lstStyle/>
+              <a:p>
+                <a:pPr marL="285750" indent="-285750">
+                  <a:buFont typeface="Arial" panose="020B0604020202020204" pitchFamily="34" charset="0"/>
+                  <a:buChar char="•"/>
+                </a:pPr>
+                <a:r>
+                  <a:rPr lang="en-GB" sz="2800" dirty="0" smtClean="0"/>
+                  <a:t>Solve this numerically with a Crank-Nicolson method</a:t>
+                </a:r>
+              </a:p>
+              <a:p>
+                <a:pPr marL="285750" indent="-285750">
+                  <a:buFont typeface="Arial" panose="020B0604020202020204" pitchFamily="34" charset="0"/>
+                  <a:buChar char="•"/>
+                </a:pPr>
+                <a:r>
+                  <a:rPr lang="en-GB" sz="2800" dirty="0" smtClean="0"/>
+                  <a:t>Test </a:t>
+                </a:r>
+                <a:r>
+                  <a:rPr lang="en-GB" sz="2800" dirty="0"/>
+                  <a:t>by using </a:t>
+                </a:r>
+                <a14:m>
+                  <m:oMath xmlns:m="http://schemas.openxmlformats.org/officeDocument/2006/math">
+                    <m:r>
+                      <a:rPr lang="en-GB" sz="2800" i="1" dirty="0" smtClean="0">
+                        <a:latin typeface="Cambria Math" panose="02040503050406030204" pitchFamily="18" charset="0"/>
+                      </a:rPr>
+                      <m:t>𝑄</m:t>
+                    </m:r>
+                    <m:r>
+                      <a:rPr lang="en-GB" sz="2800" i="1" dirty="0" smtClean="0">
+                        <a:latin typeface="Cambria Math" panose="02040503050406030204" pitchFamily="18" charset="0"/>
+                      </a:rPr>
+                      <m:t> = </m:t>
+                    </m:r>
+                    <m:r>
+                      <m:rPr>
+                        <m:sty m:val="p"/>
+                      </m:rPr>
+                      <a:rPr lang="en-GB" sz="2800" i="1" dirty="0" smtClean="0">
+                        <a:latin typeface="Cambria Math" panose="02040503050406030204" pitchFamily="18" charset="0"/>
+                      </a:rPr>
+                      <m:t>sin</m:t>
+                    </m:r>
+                    <m:r>
+                      <a:rPr lang="en-GB" sz="2800" i="1" dirty="0" smtClean="0">
+                        <a:latin typeface="Cambria Math" panose="02040503050406030204" pitchFamily="18" charset="0"/>
+                      </a:rPr>
+                      <m:t>⁡(</m:t>
+                    </m:r>
+                    <m:r>
+                      <a:rPr lang="en-GB" sz="2800" i="1" dirty="0" smtClean="0">
+                        <a:latin typeface="Cambria Math" panose="02040503050406030204" pitchFamily="18" charset="0"/>
+                      </a:rPr>
+                      <m:t>𝑟</m:t>
+                    </m:r>
+                    <m:r>
+                      <a:rPr lang="en-GB" sz="2800" i="1" dirty="0" smtClean="0">
+                        <a:latin typeface="Cambria Math" panose="02040503050406030204" pitchFamily="18" charset="0"/>
+                      </a:rPr>
+                      <m:t> )=</m:t>
+                    </m:r>
+                    <m:r>
+                      <a:rPr lang="en-GB" sz="2800" i="1" dirty="0" smtClean="0">
+                        <a:latin typeface="Cambria Math" panose="02040503050406030204" pitchFamily="18" charset="0"/>
+                      </a:rPr>
+                      <m:t>𝑟</m:t>
+                    </m:r>
+                    <m:r>
+                      <a:rPr lang="en-GB" sz="2800" i="1" dirty="0" smtClean="0">
+                        <a:latin typeface="Cambria Math" panose="02040503050406030204" pitchFamily="18" charset="0"/>
+                      </a:rPr>
+                      <m:t> </m:t>
+                    </m:r>
+                  </m:oMath>
+                </a14:m>
+                <a:r>
+                  <a:rPr lang="en-GB" sz="2800" dirty="0"/>
+                  <a:t>which gives an analytic solution.</a:t>
+                </a:r>
+              </a:p>
+              <a:p>
+                <a:pPr marL="285750" indent="-285750">
+                  <a:buFont typeface="Arial" panose="020B0604020202020204" pitchFamily="34" charset="0"/>
+                  <a:buChar char="•"/>
+                </a:pPr>
+                <a:r>
+                  <a:rPr lang="en-GB" sz="2800" dirty="0"/>
+                  <a:t>Method converges rapidly using sparse matrix methods</a:t>
+                </a:r>
+              </a:p>
+              <a:p>
+                <a:pPr marL="285750" indent="-285750">
+                  <a:buFont typeface="Arial" panose="020B0604020202020204" pitchFamily="34" charset="0"/>
+                  <a:buChar char="•"/>
+                </a:pPr>
+                <a:r>
+                  <a:rPr lang="en-GB" sz="2800" dirty="0"/>
+                  <a:t>Run with </a:t>
+                </a:r>
+                <a14:m>
+                  <m:oMath xmlns:m="http://schemas.openxmlformats.org/officeDocument/2006/math">
+                    <m:r>
+                      <a:rPr lang="en-GB" sz="2800" i="1" dirty="0" smtClean="0">
+                        <a:latin typeface="Cambria Math" panose="02040503050406030204" pitchFamily="18" charset="0"/>
+                      </a:rPr>
+                      <m:t>𝑄</m:t>
+                    </m:r>
+                  </m:oMath>
+                </a14:m>
+                <a:r>
+                  <a:rPr lang="en-GB" sz="2800" dirty="0"/>
+                  <a:t> as before with </a:t>
+                </a:r>
+                <a14:m>
+                  <m:oMath xmlns:m="http://schemas.openxmlformats.org/officeDocument/2006/math">
+                    <m:sSub>
+                      <m:sSubPr>
+                        <m:ctrlPr>
+                          <a:rPr lang="en-GB" sz="2800" i="1" dirty="0" smtClean="0">
+                            <a:latin typeface="Cambria Math" panose="02040503050406030204" pitchFamily="18" charset="0"/>
+                          </a:rPr>
+                        </m:ctrlPr>
+                      </m:sSubPr>
+                      <m:e>
+                        <m:r>
+                          <a:rPr lang="en-GB" sz="2800" i="1" dirty="0" smtClean="0">
+                            <a:latin typeface="Cambria Math" panose="02040503050406030204" pitchFamily="18" charset="0"/>
+                          </a:rPr>
+                          <m:t>𝑄</m:t>
+                        </m:r>
+                      </m:e>
+                      <m:sub>
+                        <m:r>
+                          <a:rPr lang="en-GB" sz="2800" i="1" dirty="0" smtClean="0">
+                            <a:latin typeface="Cambria Math" panose="02040503050406030204" pitchFamily="18" charset="0"/>
+                          </a:rPr>
+                          <m:t>0</m:t>
+                        </m:r>
+                      </m:sub>
+                    </m:sSub>
+                    <m:r>
+                      <a:rPr lang="en-GB" sz="2800" i="1" dirty="0" smtClean="0">
+                        <a:latin typeface="Cambria Math" panose="02040503050406030204" pitchFamily="18" charset="0"/>
+                      </a:rPr>
+                      <m:t> </m:t>
+                    </m:r>
+                    <m:r>
+                      <a:rPr lang="en-GB" sz="2800" i="1" dirty="0">
+                        <a:latin typeface="Cambria Math" panose="02040503050406030204" pitchFamily="18" charset="0"/>
+                      </a:rPr>
+                      <m:t>= 5 </m:t>
+                    </m:r>
+                  </m:oMath>
+                </a14:m>
+                <a:r>
+                  <a:rPr lang="en-GB" sz="2800" dirty="0"/>
+                  <a:t>for </a:t>
+                </a:r>
+                <a14:m>
+                  <m:oMath xmlns:m="http://schemas.openxmlformats.org/officeDocument/2006/math">
+                    <m:r>
+                      <a:rPr lang="en-GB" sz="2800" i="1" dirty="0" smtClean="0">
+                        <a:latin typeface="Cambria Math" panose="02040503050406030204" pitchFamily="18" charset="0"/>
+                      </a:rPr>
+                      <m:t>0 &lt; </m:t>
+                    </m:r>
+                    <m:r>
+                      <a:rPr lang="en-GB" sz="2800" i="1" dirty="0" smtClean="0">
+                        <a:latin typeface="Cambria Math" panose="02040503050406030204" pitchFamily="18" charset="0"/>
+                      </a:rPr>
+                      <m:t>𝑡</m:t>
+                    </m:r>
+                    <m:r>
+                      <a:rPr lang="en-GB" sz="2800" i="1" dirty="0" smtClean="0">
+                        <a:latin typeface="Cambria Math" panose="02040503050406030204" pitchFamily="18" charset="0"/>
+                      </a:rPr>
+                      <m:t> &lt; 30</m:t>
+                    </m:r>
+                    <m:r>
+                      <a:rPr lang="en-GB" sz="2800" i="1" dirty="0" smtClean="0">
+                        <a:latin typeface="Cambria Math" panose="02040503050406030204" pitchFamily="18" charset="0"/>
+                      </a:rPr>
+                      <m:t>𝑠</m:t>
+                    </m:r>
+                  </m:oMath>
+                </a14:m>
+                <a:r>
+                  <a:rPr lang="en-GB" sz="2800" dirty="0"/>
+                  <a:t>.</a:t>
+                </a:r>
+              </a:p>
+              <a:p>
+                <a:pPr marL="285750" indent="-285750">
+                  <a:buFont typeface="Arial" panose="020B0604020202020204" pitchFamily="34" charset="0"/>
+                  <a:buChar char="•"/>
+                </a:pPr>
+                <a:r>
+                  <a:rPr lang="en-GB" sz="2800" dirty="0"/>
+                  <a:t>Then take </a:t>
+                </a:r>
+                <a14:m>
+                  <m:oMath xmlns:m="http://schemas.openxmlformats.org/officeDocument/2006/math">
+                    <m:sSub>
+                      <m:sSubPr>
+                        <m:ctrlPr>
+                          <a:rPr lang="en-GB" sz="2800" i="1" dirty="0" smtClean="0">
+                            <a:latin typeface="Cambria Math" panose="02040503050406030204" pitchFamily="18" charset="0"/>
+                          </a:rPr>
+                        </m:ctrlPr>
+                      </m:sSubPr>
+                      <m:e>
+                        <m:r>
+                          <a:rPr lang="en-GB" sz="2800" i="1" dirty="0" smtClean="0">
+                            <a:latin typeface="Cambria Math" panose="02040503050406030204" pitchFamily="18" charset="0"/>
+                          </a:rPr>
+                          <m:t>𝑄</m:t>
+                        </m:r>
+                      </m:e>
+                      <m:sub>
+                        <m:r>
+                          <a:rPr lang="en-GB" sz="2800" i="1" dirty="0" smtClean="0">
+                            <a:latin typeface="Cambria Math" panose="02040503050406030204" pitchFamily="18" charset="0"/>
+                          </a:rPr>
+                          <m:t>0</m:t>
+                        </m:r>
+                      </m:sub>
+                    </m:sSub>
+                    <m:r>
+                      <a:rPr lang="en-GB" sz="2800" i="1" dirty="0" smtClean="0">
+                        <a:latin typeface="Cambria Math" panose="02040503050406030204" pitchFamily="18" charset="0"/>
+                      </a:rPr>
+                      <m:t>= </m:t>
+                    </m:r>
+                    <m:r>
+                      <a:rPr lang="en-GB" sz="2800" i="1" dirty="0">
+                        <a:latin typeface="Cambria Math" panose="02040503050406030204" pitchFamily="18" charset="0"/>
+                      </a:rPr>
+                      <m:t>0 </m:t>
+                    </m:r>
+                  </m:oMath>
+                </a14:m>
+                <a:r>
+                  <a:rPr lang="en-GB" sz="2800" dirty="0"/>
+                  <a:t>for t &gt; 30.</a:t>
+                </a:r>
+              </a:p>
+            </p:txBody>
+          </p:sp>
+        </mc:Choice>
+        <mc:Fallback>
+          <p:sp>
+            <p:nvSpPr>
+              <p:cNvPr id="5" name="Rectangle 4"/>
+              <p:cNvSpPr>
+                <a:spLocks noRot="1" noChangeAspect="1" noMove="1" noResize="1" noEditPoints="1" noAdjustHandles="1" noChangeArrowheads="1" noChangeShapeType="1" noTextEdit="1"/>
+              </p:cNvSpPr>
+              <p:nvPr/>
+            </p:nvSpPr>
+            <p:spPr>
+              <a:xfrm>
+                <a:off x="609600" y="2533372"/>
+                <a:ext cx="6144889" cy="3970318"/>
+              </a:xfrm>
+              <a:prstGeom prst="rect">
+                <a:avLst/>
+              </a:prstGeom>
+              <a:blipFill>
+                <a:blip r:embed="rId3"/>
+                <a:stretch>
+                  <a:fillRect l="-1786" t="-1690" r="-3571" b="-3379"/>
+                </a:stretch>
+              </a:blipFill>
+            </p:spPr>
+            <p:txBody>
+              <a:bodyPr/>
+              <a:lstStyle/>
+              <a:p>
+                <a:r>
+                  <a:rPr lang="en-GB">
+                    <a:noFill/>
+                  </a:rPr>
+                  <a:t> </a:t>
+                </a:r>
+              </a:p>
+            </p:txBody>
+          </p:sp>
+        </mc:Fallback>
+      </mc:AlternateContent>
     </p:spTree>
     <p:extLst>
       <p:ext uri="{BB962C8B-B14F-4D97-AF65-F5344CB8AC3E}">
@@ -17509,6 +17880,13 @@
   <p:clrMapOvr>
     <a:masterClrMapping/>
   </p:clrMapOvr>
+  <p:timing>
+    <p:tnLst>
+      <p:par>
+        <p:cTn id="1" dur="indefinite" restart="never" nodeType="tmRoot"/>
+      </p:par>
+    </p:tnLst>
+  </p:timing>
 </p:sld>
 </file>
 
@@ -17541,7 +17919,9 @@
         </p:nvSpPr>
         <p:spPr/>
         <p:txBody>
-          <a:bodyPr/>
+          <a:bodyPr>
+            <a:normAutofit lnSpcReduction="10000"/>
+          </a:bodyPr>
           <a:lstStyle/>
           <a:p>
             <a:r>
@@ -17578,12 +17958,24 @@
               <a:rPr lang="en-GB" dirty="0" err="1" smtClean="0"/>
               <a:t>odeint</a:t>
             </a:r>
-            <a:endParaRPr lang="en-GB" dirty="0" smtClean="0"/>
-          </a:p>
-          <a:p>
             <a:r>
               <a:rPr lang="en-GB" dirty="0" smtClean="0"/>
-              <a:t>Look at other tissue types, including where the perfusion is more significant  </a:t>
+              <a:t> in python</a:t>
+            </a:r>
+            <a:endParaRPr lang="en-GB" dirty="0" smtClean="0"/>
+          </a:p>
+          <a:p>
+            <a:r>
+              <a:rPr lang="en-GB" dirty="0" smtClean="0"/>
+              <a:t>Look at other tissue types, including where the perfusion </a:t>
+            </a:r>
+            <a:r>
+              <a:rPr lang="en-GB" dirty="0" smtClean="0"/>
+              <a:t>term is </a:t>
+            </a:r>
+            <a:r>
+              <a:rPr lang="en-GB" dirty="0" smtClean="0"/>
+              <a:t>more significant  </a:t>
             </a:r>
           </a:p>
         </p:txBody>
@@ -17882,6 +18274,78 @@
 </p:sld>
 </file>
 
+<file path=ppt/slides/slide20.xml><?xml version="1.0" encoding="utf-8"?>
+<p:sld xmlns:a="http://schemas.openxmlformats.org/drawingml/2006/main" xmlns:r="http://schemas.openxmlformats.org/officeDocument/2006/relationships" xmlns:p="http://schemas.openxmlformats.org/presentationml/2006/main">
+  <p:cSld>
+    <p:spTree>
+      <p:nvGrpSpPr>
+        <p:cNvPr id="1" name=""/>
+        <p:cNvGrpSpPr/>
+        <p:nvPr/>
+      </p:nvGrpSpPr>
+      <p:grpSpPr>
+        <a:xfrm>
+          <a:off x="0" y="0"/>
+          <a:ext cx="0" cy="0"/>
+          <a:chOff x="0" y="0"/>
+          <a:chExt cx="0" cy="0"/>
+        </a:xfrm>
+      </p:grpSpPr>
+      <p:sp>
+        <p:nvSpPr>
+          <p:cNvPr id="2" name="Title 1"/>
+          <p:cNvSpPr>
+            <a:spLocks noGrp="1"/>
+          </p:cNvSpPr>
+          <p:nvPr>
+            <p:ph type="title"/>
+          </p:nvPr>
+        </p:nvSpPr>
+        <p:spPr/>
+        <p:txBody>
+          <a:bodyPr/>
+          <a:lstStyle/>
+          <a:p>
+            <a:r>
+              <a:rPr lang="en-GB" smtClean="0"/>
+              <a:t>Python Demonstration </a:t>
+            </a:r>
+            <a:endParaRPr lang="en-GB"/>
+          </a:p>
+        </p:txBody>
+      </p:sp>
+      <p:sp>
+        <p:nvSpPr>
+          <p:cNvPr id="3" name="Text Placeholder 2"/>
+          <p:cNvSpPr>
+            <a:spLocks noGrp="1"/>
+          </p:cNvSpPr>
+          <p:nvPr>
+            <p:ph type="body" idx="1"/>
+          </p:nvPr>
+        </p:nvSpPr>
+        <p:spPr/>
+        <p:txBody>
+          <a:bodyPr/>
+          <a:lstStyle/>
+          <a:p>
+            <a:endParaRPr lang="en-GB"/>
+          </a:p>
+        </p:txBody>
+      </p:sp>
+    </p:spTree>
+    <p:extLst>
+      <p:ext uri="{BB962C8B-B14F-4D97-AF65-F5344CB8AC3E}">
+        <p14:creationId xmlns:p14="http://schemas.microsoft.com/office/powerpoint/2010/main" val="1579683541"/>
+      </p:ext>
+    </p:extLst>
+  </p:cSld>
+  <p:clrMapOvr>
+    <a:masterClrMapping/>
+  </p:clrMapOvr>
+</p:sld>
+</file>
+
 <file path=ppt/slides/slide3.xml><?xml version="1.0" encoding="utf-8"?>
 <p:sld xmlns:a="http://schemas.openxmlformats.org/drawingml/2006/main" xmlns:r="http://schemas.openxmlformats.org/officeDocument/2006/relationships" xmlns:p="http://schemas.openxmlformats.org/presentationml/2006/main">
   <p:cSld>
@@ -17959,6 +18423,13 @@
   <p:clrMapOvr>
     <a:masterClrMapping/>
   </p:clrMapOvr>
+  <p:timing>
+    <p:tnLst>
+      <p:par>
+        <p:cTn id="1" dur="indefinite" restart="never" nodeType="tmRoot"/>
+      </p:par>
+    </p:tnLst>
+  </p:timing>
 </p:sld>
 </file>
 
@@ -18432,7 +18903,6 @@
               <a:rPr lang="en-CA" sz="3600" dirty="0" smtClean="0"/>
               <a:t>MR thermometry “closes the loop” to monitor and control treatment temperatures in real time</a:t>
             </a:r>
-            <a:endParaRPr lang="en-CA" sz="3600" dirty="0" smtClean="0"/>
           </a:p>
         </p:txBody>
       </p:sp>
@@ -18687,7 +19157,7 @@
           <a:graphicData uri="http://schemas.openxmlformats.org/presentationml/2006/ole">
             <mc:AlternateContent xmlns:mc="http://schemas.openxmlformats.org/markup-compatibility/2006">
               <mc:Choice xmlns:v="urn:schemas-microsoft-com:vml" Requires="v">
-                <p:oleObj spid="_x0000_s1037" name="Equation" r:id="rId4" imgW="2819400" imgH="1866900" progId="Equation.DSMT4">
+                <p:oleObj spid="_x0000_s1041" name="Equation" r:id="rId4" imgW="2819400" imgH="1866900" progId="Equation.DSMT4">
                   <p:embed/>
                 </p:oleObj>
               </mc:Choice>
@@ -18724,14 +19194,14 @@
                       <a:effectLst/>
                       <a:extLst>
                         <a:ext uri="{909E8E84-426E-40dd-AFC4-6F175D3DCCD1}">
-                          <a14:hiddenFill xmlns:a14="http://schemas.microsoft.com/office/drawing/2010/main" xmlns="">
+                          <a14:hiddenFill xmlns="" xmlns:a14="http://schemas.microsoft.com/office/drawing/2010/main">
                             <a:solidFill>
                               <a:srgbClr val="FFFFFF"/>
                             </a:solidFill>
                           </a14:hiddenFill>
                         </a:ext>
                         <a:ext uri="{91240B29-F687-4f45-9708-019B960494DF}">
-                          <a14:hiddenLine xmlns:a14="http://schemas.microsoft.com/office/drawing/2010/main" xmlns="" w="0">
+                          <a14:hiddenLine xmlns="" xmlns:a14="http://schemas.microsoft.com/office/drawing/2010/main" w="0">
                             <a:solidFill>
                               <a:srgbClr val="000000"/>
                             </a:solidFill>
@@ -18741,7 +19211,7 @@
                           </a14:hiddenLine>
                         </a:ext>
                         <a:ext uri="{AF507438-7753-43e0-B8FC-AC1667EBCBE1}">
-                          <a14:hiddenEffects xmlns:a14="http://schemas.microsoft.com/office/drawing/2010/main" xmlns="">
+                          <a14:hiddenEffects xmlns="" xmlns:a14="http://schemas.microsoft.com/office/drawing/2010/main">
                             <a:effectLst>
                               <a:outerShdw algn="ctr" rotWithShape="0">
                                 <a:srgbClr val="808080"/>
@@ -18758,8 +19228,8 @@
           </a:graphicData>
         </a:graphic>
       </p:graphicFrame>
-      <mc:AlternateContent xmlns:mc="http://schemas.openxmlformats.org/markup-compatibility/2006">
-        <mc:Choice xmlns:a14="http://schemas.microsoft.com/office/drawing/2010/main" Requires="a14">
+      <mc:AlternateContent xmlns:mc="http://schemas.openxmlformats.org/markup-compatibility/2006" xmlns:a14="http://schemas.microsoft.com/office/drawing/2010/main">
+        <mc:Choice Requires="a14">
           <p:sp>
             <p:nvSpPr>
               <p:cNvPr id="6" name="TextBox 5"/>
@@ -18782,6 +19252,7 @@
               </a:bodyPr>
               <a:lstStyle/>
               <a:p>
+                <a:pPr/>
                 <a14:m>
                   <m:oMathPara xmlns:m="http://schemas.openxmlformats.org/officeDocument/2006/math">
                     <m:oMathParaPr>
@@ -18847,7 +19318,7 @@
                         <a:rPr lang="en-GB" sz="3600" b="0" i="0" smtClean="0">
                           <a:latin typeface="Cambria Math" panose="02040503050406030204" pitchFamily="18" charset="0"/>
                         </a:rPr>
-                        <m:t>∇</m:t>
+                        <m:t>𝛻</m:t>
                       </m:r>
                       <m:r>
                         <a:rPr lang="en-GB" sz="3600" b="0" i="1" smtClean="0">
@@ -18871,7 +19342,7 @@
                         <a:rPr lang="en-GB" sz="3600" b="0" i="0" smtClean="0">
                           <a:latin typeface="Cambria Math" panose="02040503050406030204" pitchFamily="18" charset="0"/>
                         </a:rPr>
-                        <m:t>∇</m:t>
+                        <m:t>𝛻</m:t>
                       </m:r>
                       <m:r>
                         <a:rPr lang="en-GB" sz="3600" b="0" i="1" smtClean="0">
@@ -18984,7 +19455,7 @@
             </p:txBody>
           </p:sp>
         </mc:Choice>
-        <mc:Fallback>
+        <mc:Fallback xmlns="">
           <p:sp>
             <p:nvSpPr>
               <p:cNvPr id="6" name="TextBox 5"/>
@@ -19159,25 +19630,7 @@
               <a:rPr lang="en-US" sz="2800" dirty="0" smtClean="0">
                 <a:latin typeface="Arial" pitchFamily="-84" charset="0"/>
               </a:rPr>
-              <a:t> calculated on a </a:t>
-            </a:r>
-            <a:r>
-              <a:rPr lang="en-US" sz="2800" dirty="0" smtClean="0">
-                <a:latin typeface="Arial" pitchFamily="-84" charset="0"/>
-              </a:rPr>
-              <a:t>voxel by voxel </a:t>
-            </a:r>
-            <a:r>
-              <a:rPr lang="en-US" sz="2800" dirty="0" smtClean="0">
-                <a:latin typeface="Arial" pitchFamily="-84" charset="0"/>
-              </a:rPr>
-              <a:t>basis </a:t>
-            </a:r>
-            <a:r>
-              <a:rPr lang="en-US" sz="2800" dirty="0" smtClean="0">
-                <a:latin typeface="Arial" pitchFamily="-84" charset="0"/>
-              </a:rPr>
-              <a:t>as a time integral as temperature is measured throughout treatment</a:t>
+              <a:t> calculated on a voxel by voxel basis as a time integral as temperature is measured throughout treatment</a:t>
             </a:r>
           </a:p>
           <a:p>
@@ -19239,13 +19692,7 @@
               <a:rPr lang="en-US" sz="2800" dirty="0" smtClean="0">
                 <a:latin typeface="Arial" pitchFamily="-84" charset="0"/>
               </a:rPr>
-              <a:t>1 </a:t>
-            </a:r>
-            <a:r>
-              <a:rPr lang="en-US" sz="2800" dirty="0" smtClean="0">
-                <a:latin typeface="Arial" pitchFamily="-84" charset="0"/>
-              </a:rPr>
-              <a:t>second exposure at 57°C can produce thermal necrosis (273 EM)</a:t>
+              <a:t>1 second exposure at 57°C can produce thermal necrosis (273 EM)</a:t>
             </a:r>
           </a:p>
         </p:txBody>

--- a/Group meeting presentation.pptx
+++ b/Group meeting presentation.pptx
@@ -14752,8 +14752,8 @@
           <a:chExt cx="0" cy="0"/>
         </a:xfrm>
       </p:grpSpPr>
-      <mc:AlternateContent xmlns:mc="http://schemas.openxmlformats.org/markup-compatibility/2006">
-        <mc:Choice xmlns:a14="http://schemas.microsoft.com/office/drawing/2010/main" Requires="a14">
+      <mc:AlternateContent xmlns:mc="http://schemas.openxmlformats.org/markup-compatibility/2006" xmlns:a14="http://schemas.microsoft.com/office/drawing/2010/main">
+        <mc:Choice Requires="a14">
           <p:sp>
             <p:nvSpPr>
               <p:cNvPr id="3" name="Content Placeholder 2"/>
@@ -14841,11 +14841,7 @@
               <a:p>
                 <a:r>
                   <a:rPr lang="en-US" dirty="0" smtClean="0"/>
-                  <a:t>Model </a:t>
-                </a:r>
-                <a:r>
-                  <a:rPr lang="en-US" dirty="0" smtClean="0"/>
-                  <a:t>valid for high temperatures seen in HIFU</a:t>
+                  <a:t>Model valid for high temperatures seen in HIFU</a:t>
                 </a:r>
               </a:p>
               <a:p>
@@ -14903,7 +14899,7 @@
             </p:txBody>
           </p:sp>
         </mc:Choice>
-        <mc:Fallback>
+        <mc:Fallback xmlns="">
           <p:sp>
             <p:nvSpPr>
               <p:cNvPr id="3" name="Content Placeholder 2"/>
@@ -15783,15 +15779,7 @@
           <a:p>
             <a:r>
               <a:rPr lang="en-CA" dirty="0" smtClean="0"/>
-              <a:t>Use this </a:t>
-            </a:r>
-            <a:r>
-              <a:rPr lang="en-CA" dirty="0" smtClean="0"/>
-              <a:t> to model thermal </a:t>
-            </a:r>
-            <a:r>
-              <a:rPr lang="en-CA" dirty="0" smtClean="0"/>
-              <a:t>dose and thermal damage of the tissues and surrounding structures. </a:t>
+              <a:t>Use this  to model thermal dose and thermal damage of the tissues and surrounding structures. </a:t>
             </a:r>
           </a:p>
           <a:p>
@@ -17131,8 +17119,8 @@
           </a:xfrm>
         </p:spPr>
       </p:pic>
-      <mc:AlternateContent xmlns:mc="http://schemas.openxmlformats.org/markup-compatibility/2006">
-        <mc:Choice xmlns:a14="http://schemas.microsoft.com/office/drawing/2010/main" Requires="a14">
+      <mc:AlternateContent xmlns:mc="http://schemas.openxmlformats.org/markup-compatibility/2006" xmlns:a14="http://schemas.microsoft.com/office/drawing/2010/main">
+        <mc:Choice Requires="a14">
           <p:sp>
             <p:nvSpPr>
               <p:cNvPr id="5" name="Rectangle 4"/>
@@ -17405,7 +17393,7 @@
             </p:txBody>
           </p:sp>
         </mc:Choice>
-        <mc:Fallback>
+        <mc:Fallback xmlns="">
           <p:sp>
             <p:nvSpPr>
               <p:cNvPr id="5" name="Rectangle 4"/>
@@ -17962,20 +17950,11 @@
               <a:rPr lang="en-GB" dirty="0" smtClean="0"/>
               <a:t> in python</a:t>
             </a:r>
-            <a:endParaRPr lang="en-GB" dirty="0" smtClean="0"/>
           </a:p>
           <a:p>
             <a:r>
               <a:rPr lang="en-GB" dirty="0" smtClean="0"/>
-              <a:t>Look at other tissue types, including where the perfusion </a:t>
-            </a:r>
-            <a:r>
-              <a:rPr lang="en-GB" dirty="0" smtClean="0"/>
-              <a:t>term is </a:t>
-            </a:r>
-            <a:r>
-              <a:rPr lang="en-GB" dirty="0" smtClean="0"/>
-              <a:t>more significant  </a:t>
+              <a:t>Look at other tissue types, including where the perfusion term is more significant  </a:t>
             </a:r>
           </a:p>
         </p:txBody>
@@ -18343,6 +18322,13 @@
   <p:clrMapOvr>
     <a:masterClrMapping/>
   </p:clrMapOvr>
+  <p:timing>
+    <p:tnLst>
+      <p:par>
+        <p:cTn id="1" dur="indefinite" restart="never" nodeType="tmRoot"/>
+      </p:par>
+    </p:tnLst>
+  </p:timing>
 </p:sld>
 </file>
 
@@ -19157,7 +19143,7 @@
           <a:graphicData uri="http://schemas.openxmlformats.org/presentationml/2006/ole">
             <mc:AlternateContent xmlns:mc="http://schemas.openxmlformats.org/markup-compatibility/2006">
               <mc:Choice xmlns:v="urn:schemas-microsoft-com:vml" Requires="v">
-                <p:oleObj spid="_x0000_s1041" name="Equation" r:id="rId4" imgW="2819400" imgH="1866900" progId="Equation.DSMT4">
+                <p:oleObj spid="_x0000_s1042" name="Equation" r:id="rId4" imgW="2819400" imgH="1866900" progId="Equation.DSMT4">
                   <p:embed/>
                 </p:oleObj>
               </mc:Choice>
@@ -19194,14 +19180,14 @@
                       <a:effectLst/>
                       <a:extLst>
                         <a:ext uri="{909E8E84-426E-40dd-AFC4-6F175D3DCCD1}">
-                          <a14:hiddenFill xmlns="" xmlns:a14="http://schemas.microsoft.com/office/drawing/2010/main">
+                          <a14:hiddenFill xmlns:a14="http://schemas.microsoft.com/office/drawing/2010/main" xmlns="">
                             <a:solidFill>
                               <a:srgbClr val="FFFFFF"/>
                             </a:solidFill>
                           </a14:hiddenFill>
                         </a:ext>
                         <a:ext uri="{91240B29-F687-4f45-9708-019B960494DF}">
-                          <a14:hiddenLine xmlns="" xmlns:a14="http://schemas.microsoft.com/office/drawing/2010/main" w="0">
+                          <a14:hiddenLine xmlns:a14="http://schemas.microsoft.com/office/drawing/2010/main" xmlns="" w="0">
                             <a:solidFill>
                               <a:srgbClr val="000000"/>
                             </a:solidFill>
@@ -19211,7 +19197,7 @@
                           </a14:hiddenLine>
                         </a:ext>
                         <a:ext uri="{AF507438-7753-43e0-B8FC-AC1667EBCBE1}">
-                          <a14:hiddenEffects xmlns="" xmlns:a14="http://schemas.microsoft.com/office/drawing/2010/main">
+                          <a14:hiddenEffects xmlns:a14="http://schemas.microsoft.com/office/drawing/2010/main" xmlns="">
                             <a:effectLst>
                               <a:outerShdw algn="ctr" rotWithShape="0">
                                 <a:srgbClr val="808080"/>
